--- a/Prezentace/1. ročník/PGM_22.pptx
+++ b/Prezentace/1. ročník/PGM_22.pptx
@@ -864,7 +864,7 @@
             <a:fld id="{B61BEF0D-F0BB-DE4B-95CE-6DB70DBA9567}" type="datetimeFigureOut">
               <a:rPr lang="en-US" dirty="0"/>
               <a:pPr/>
-              <a:t>5/10/2021</a:t>
+              <a:t>3/7/2022</a:t>
             </a:fld>
             <a:endParaRPr lang="en-US" dirty="0"/>
           </a:p>
@@ -1112,7 +1112,7 @@
             <a:fld id="{B61BEF0D-F0BB-DE4B-95CE-6DB70DBA9567}" type="datetimeFigureOut">
               <a:rPr lang="en-US" dirty="0"/>
               <a:pPr/>
-              <a:t>5/10/2021</a:t>
+              <a:t>3/7/2022</a:t>
             </a:fld>
             <a:endParaRPr lang="en-US" dirty="0"/>
           </a:p>
@@ -1423,7 +1423,7 @@
             <a:fld id="{B61BEF0D-F0BB-DE4B-95CE-6DB70DBA9567}" type="datetimeFigureOut">
               <a:rPr lang="en-US" dirty="0"/>
               <a:pPr/>
-              <a:t>5/10/2021</a:t>
+              <a:t>3/7/2022</a:t>
             </a:fld>
             <a:endParaRPr lang="en-US" dirty="0"/>
           </a:p>
@@ -1753,7 +1753,7 @@
             <a:fld id="{B61BEF0D-F0BB-DE4B-95CE-6DB70DBA9567}" type="datetimeFigureOut">
               <a:rPr lang="en-US" dirty="0"/>
               <a:pPr/>
-              <a:t>5/10/2021</a:t>
+              <a:t>3/7/2022</a:t>
             </a:fld>
             <a:endParaRPr lang="en-US" dirty="0"/>
           </a:p>
@@ -2064,7 +2064,7 @@
             <a:fld id="{B61BEF0D-F0BB-DE4B-95CE-6DB70DBA9567}" type="datetimeFigureOut">
               <a:rPr lang="en-US" dirty="0"/>
               <a:pPr/>
-              <a:t>5/10/2021</a:t>
+              <a:t>3/7/2022</a:t>
             </a:fld>
             <a:endParaRPr lang="en-US" dirty="0"/>
           </a:p>
@@ -2454,7 +2454,7 @@
             <a:fld id="{B61BEF0D-F0BB-DE4B-95CE-6DB70DBA9567}" type="datetimeFigureOut">
               <a:rPr lang="en-US" dirty="0"/>
               <a:pPr/>
-              <a:t>5/10/2021</a:t>
+              <a:t>3/7/2022</a:t>
             </a:fld>
             <a:endParaRPr lang="en-US" dirty="0"/>
           </a:p>
@@ -2620,7 +2620,7 @@
           <a:p>
             <a:fld id="{55C6B4A9-1611-4792-9094-5F34BCA07E0B}" type="datetimeFigureOut">
               <a:rPr lang="en-US" dirty="0"/>
-              <a:t>5/10/2021</a:t>
+              <a:t>3/7/2022</a:t>
             </a:fld>
             <a:endParaRPr lang="en-US" dirty="0"/>
           </a:p>
@@ -2796,7 +2796,7 @@
             <a:fld id="{B61BEF0D-F0BB-DE4B-95CE-6DB70DBA9567}" type="datetimeFigureOut">
               <a:rPr lang="en-US" dirty="0"/>
               <a:pPr/>
-              <a:t>5/10/2021</a:t>
+              <a:t>3/7/2022</a:t>
             </a:fld>
             <a:endParaRPr lang="en-US" dirty="0"/>
           </a:p>
@@ -2962,7 +2962,7 @@
           <a:p>
             <a:fld id="{42A54C80-263E-416B-A8E0-580EDEADCBDC}" type="datetimeFigureOut">
               <a:rPr lang="en-US" dirty="0"/>
-              <a:t>5/10/2021</a:t>
+              <a:t>3/7/2022</a:t>
             </a:fld>
             <a:endParaRPr lang="en-US" dirty="0"/>
           </a:p>
@@ -3205,7 +3205,7 @@
             <a:fld id="{B61BEF0D-F0BB-DE4B-95CE-6DB70DBA9567}" type="datetimeFigureOut">
               <a:rPr lang="en-US" dirty="0"/>
               <a:pPr/>
-              <a:t>5/10/2021</a:t>
+              <a:t>3/7/2022</a:t>
             </a:fld>
             <a:endParaRPr lang="en-US" dirty="0"/>
           </a:p>
@@ -3433,7 +3433,7 @@
           <a:p>
             <a:fld id="{42A54C80-263E-416B-A8E0-580EDEADCBDC}" type="datetimeFigureOut">
               <a:rPr lang="en-US" dirty="0"/>
-              <a:t>5/10/2021</a:t>
+              <a:t>3/7/2022</a:t>
             </a:fld>
             <a:endParaRPr lang="en-US" dirty="0"/>
           </a:p>
@@ -3803,7 +3803,7 @@
             <a:fld id="{B61BEF0D-F0BB-DE4B-95CE-6DB70DBA9567}" type="datetimeFigureOut">
               <a:rPr lang="en-US" dirty="0"/>
               <a:pPr/>
-              <a:t>5/10/2021</a:t>
+              <a:t>3/7/2022</a:t>
             </a:fld>
             <a:endParaRPr lang="en-US" dirty="0"/>
           </a:p>
@@ -3923,7 +3923,7 @@
             <a:fld id="{B61BEF0D-F0BB-DE4B-95CE-6DB70DBA9567}" type="datetimeFigureOut">
               <a:rPr lang="en-US" dirty="0"/>
               <a:pPr/>
-              <a:t>5/10/2021</a:t>
+              <a:t>3/7/2022</a:t>
             </a:fld>
             <a:endParaRPr lang="en-US" dirty="0"/>
           </a:p>
@@ -4015,7 +4015,7 @@
             <a:fld id="{B61BEF0D-F0BB-DE4B-95CE-6DB70DBA9567}" type="datetimeFigureOut">
               <a:rPr lang="en-US" dirty="0"/>
               <a:pPr/>
-              <a:t>5/10/2021</a:t>
+              <a:t>3/7/2022</a:t>
             </a:fld>
             <a:endParaRPr lang="en-US" dirty="0"/>
           </a:p>
@@ -4266,7 +4266,7 @@
           <a:p>
             <a:fld id="{42A54C80-263E-416B-A8E0-580EDEADCBDC}" type="datetimeFigureOut">
               <a:rPr lang="en-US" dirty="0"/>
-              <a:t>5/10/2021</a:t>
+              <a:t>3/7/2022</a:t>
             </a:fld>
             <a:endParaRPr lang="en-US" dirty="0"/>
           </a:p>
@@ -4568,7 +4568,7 @@
             <a:fld id="{B61BEF0D-F0BB-DE4B-95CE-6DB70DBA9567}" type="datetimeFigureOut">
               <a:rPr lang="en-US" dirty="0"/>
               <a:pPr/>
-              <a:t>5/10/2021</a:t>
+              <a:t>3/7/2022</a:t>
             </a:fld>
             <a:endParaRPr lang="en-US" dirty="0"/>
           </a:p>
@@ -5266,7 +5266,7 @@
             <a:fld id="{B61BEF0D-F0BB-DE4B-95CE-6DB70DBA9567}" type="datetimeFigureOut">
               <a:rPr lang="en-US" dirty="0"/>
               <a:pPr/>
-              <a:t>5/10/2021</a:t>
+              <a:t>3/7/2022</a:t>
             </a:fld>
             <a:endParaRPr lang="en-US" dirty="0"/>
           </a:p>
@@ -6529,7 +6529,7 @@
           <a:p>
             <a:r>
               <a:rPr lang="cs-CZ" dirty="0"/>
-              <a:t>Pozice bodu [0, 0] odpovídá pravému hornímu rohu</a:t>
+              <a:t>Pozice bodu [0, 0] odpovídá levému hornímu rohu</a:t>
             </a:r>
           </a:p>
           <a:p>
@@ -6743,12 +6743,8 @@
           </a:p>
           <a:p>
             <a:r>
-              <a:rPr lang="cs-CZ" dirty="0" err="1"/>
-              <a:t>Štetec</a:t>
-            </a:r>
-            <a:r>
               <a:rPr lang="cs-CZ" dirty="0"/>
-              <a:t> výplně, počátek vykreslování x, y a velikost ve směru x a y</a:t>
+              <a:t>Štětec výplně, počátek vykreslování x, y a velikost ve směru x a y</a:t>
             </a:r>
           </a:p>
           <a:p>
